--- a/question draft 1.pptx
+++ b/question draft 1.pptx
@@ -117,6 +117,11 @@
       </a:defRPr>
     </a:lvl9pPr>
   </p:defaultTextStyle>
+  <p:extLst>
+    <p:ext uri="{EFAFB233-063F-42B5-8137-9DF3F51BA10A}">
+      <p15:sldGuideLst xmlns:p15="http://schemas.microsoft.com/office/powerpoint/2012/main"/>
+    </p:ext>
+  </p:extLst>
 </p:presentation>
 </file>
 
@@ -202,7 +207,7 @@
           <a:p>
             <a:fld id="{71A647A5-E85E-4958-A897-75695F2CBE8E}" type="datetimeFigureOut">
               <a:rPr lang="en-US" smtClean="0"/>
-              <a:t>11/28/2016</a:t>
+              <a:t>11/29/2016</a:t>
             </a:fld>
             <a:endParaRPr lang="en-US"/>
           </a:p>
@@ -297,7 +302,6 @@
               <a:rPr lang="en-US"/>
               <a:t>Fifth level</a:t>
             </a:r>
-            <a:endParaRPr lang="en-US"/>
           </a:p>
         </p:txBody>
       </p:sp>
@@ -1361,7 +1365,7 @@
           <a:p>
             <a:fld id="{2526360B-B11B-46B0-A2F4-F17FAA9AA1FA}" type="datetimeFigureOut">
               <a:rPr lang="en-US" smtClean="0"/>
-              <a:t>11/28/2016</a:t>
+              <a:t>11/29/2016</a:t>
             </a:fld>
             <a:endParaRPr lang="en-US"/>
           </a:p>
@@ -1531,7 +1535,7 @@
           <a:p>
             <a:fld id="{2526360B-B11B-46B0-A2F4-F17FAA9AA1FA}" type="datetimeFigureOut">
               <a:rPr lang="en-US" smtClean="0"/>
-              <a:t>11/28/2016</a:t>
+              <a:t>11/29/2016</a:t>
             </a:fld>
             <a:endParaRPr lang="en-US"/>
           </a:p>
@@ -1711,7 +1715,7 @@
           <a:p>
             <a:fld id="{2526360B-B11B-46B0-A2F4-F17FAA9AA1FA}" type="datetimeFigureOut">
               <a:rPr lang="en-US" smtClean="0"/>
-              <a:t>11/28/2016</a:t>
+              <a:t>11/29/2016</a:t>
             </a:fld>
             <a:endParaRPr lang="en-US"/>
           </a:p>
@@ -1881,7 +1885,7 @@
           <a:p>
             <a:fld id="{2526360B-B11B-46B0-A2F4-F17FAA9AA1FA}" type="datetimeFigureOut">
               <a:rPr lang="en-US" smtClean="0"/>
-              <a:t>11/28/2016</a:t>
+              <a:t>11/29/2016</a:t>
             </a:fld>
             <a:endParaRPr lang="en-US"/>
           </a:p>
@@ -2127,7 +2131,7 @@
           <a:p>
             <a:fld id="{2526360B-B11B-46B0-A2F4-F17FAA9AA1FA}" type="datetimeFigureOut">
               <a:rPr lang="en-US" smtClean="0"/>
-              <a:t>11/28/2016</a:t>
+              <a:t>11/29/2016</a:t>
             </a:fld>
             <a:endParaRPr lang="en-US"/>
           </a:p>
@@ -2359,7 +2363,7 @@
           <a:p>
             <a:fld id="{2526360B-B11B-46B0-A2F4-F17FAA9AA1FA}" type="datetimeFigureOut">
               <a:rPr lang="en-US" smtClean="0"/>
-              <a:t>11/28/2016</a:t>
+              <a:t>11/29/2016</a:t>
             </a:fld>
             <a:endParaRPr lang="en-US"/>
           </a:p>
@@ -2726,7 +2730,7 @@
           <a:p>
             <a:fld id="{2526360B-B11B-46B0-A2F4-F17FAA9AA1FA}" type="datetimeFigureOut">
               <a:rPr lang="en-US" smtClean="0"/>
-              <a:t>11/28/2016</a:t>
+              <a:t>11/29/2016</a:t>
             </a:fld>
             <a:endParaRPr lang="en-US"/>
           </a:p>
@@ -2844,7 +2848,7 @@
           <a:p>
             <a:fld id="{2526360B-B11B-46B0-A2F4-F17FAA9AA1FA}" type="datetimeFigureOut">
               <a:rPr lang="en-US" smtClean="0"/>
-              <a:t>11/28/2016</a:t>
+              <a:t>11/29/2016</a:t>
             </a:fld>
             <a:endParaRPr lang="en-US"/>
           </a:p>
@@ -2939,7 +2943,7 @@
           <a:p>
             <a:fld id="{2526360B-B11B-46B0-A2F4-F17FAA9AA1FA}" type="datetimeFigureOut">
               <a:rPr lang="en-US" smtClean="0"/>
-              <a:t>11/28/2016</a:t>
+              <a:t>11/29/2016</a:t>
             </a:fld>
             <a:endParaRPr lang="en-US"/>
           </a:p>
@@ -3216,7 +3220,7 @@
           <a:p>
             <a:fld id="{2526360B-B11B-46B0-A2F4-F17FAA9AA1FA}" type="datetimeFigureOut">
               <a:rPr lang="en-US" smtClean="0"/>
-              <a:t>11/28/2016</a:t>
+              <a:t>11/29/2016</a:t>
             </a:fld>
             <a:endParaRPr lang="en-US"/>
           </a:p>
@@ -3473,7 +3477,7 @@
           <a:p>
             <a:fld id="{2526360B-B11B-46B0-A2F4-F17FAA9AA1FA}" type="datetimeFigureOut">
               <a:rPr lang="en-US" smtClean="0"/>
-              <a:t>11/28/2016</a:t>
+              <a:t>11/29/2016</a:t>
             </a:fld>
             <a:endParaRPr lang="en-US"/>
           </a:p>
@@ -3686,7 +3690,7 @@
           <a:p>
             <a:fld id="{2526360B-B11B-46B0-A2F4-F17FAA9AA1FA}" type="datetimeFigureOut">
               <a:rPr lang="en-US" smtClean="0"/>
-              <a:t>11/28/2016</a:t>
+              <a:t>11/29/2016</a:t>
             </a:fld>
             <a:endParaRPr lang="en-US"/>
           </a:p>
@@ -4993,7 +4997,7 @@
               <a:rPr lang="en-US" dirty="0">
                 <a:latin typeface="Banaue" pitchFamily="50" charset="0"/>
               </a:rPr>
-              <a:t>	Square: bludgeoning</a:t>
+              <a:t>	Square: buried alive</a:t>
             </a:r>
           </a:p>
           <a:p>
